--- a/output/figures_IGP/IGP_Figures.pptx
+++ b/output/figures_IGP/IGP_Figures.pptx
@@ -9,6 +9,7 @@
     <p:sldId id="260" r:id="rId3"/>
     <p:sldId id="261" r:id="rId4"/>
     <p:sldId id="262" r:id="rId5"/>
+    <p:sldId id="263" r:id="rId6"/>
   </p:sldIdLst>
   <p:sldSz cx="6858000" cy="9906000" type="A4"/>
   <p:notesSz cx="6858000" cy="9144000"/>
@@ -118,13 +119,123 @@
 <file path=ppt/revisionInfo.xml><?xml version="1.0" encoding="utf-8"?>
 <p1510:revInfo xmlns:a="http://schemas.openxmlformats.org/drawingml/2006/main" xmlns:r="http://schemas.openxmlformats.org/officeDocument/2006/relationships" xmlns:p1510="http://schemas.microsoft.com/office/powerpoint/2015/10/main">
   <p1510:revLst>
-    <p1510:client id="{44840EE4-EDC8-4D5B-BDBC-E7C49E18850F}" v="50" dt="2023-08-18T06:45:17.371"/>
+    <p1510:client id="{F733D7EA-C78A-42B0-8A2D-1CBBAB7C4203}" v="9" dt="2023-10-08T12:52:15.344"/>
   </p1510:revLst>
 </p1510:revInfo>
 </file>
 
 <file path=ppt/changesInfos/changesInfo1.xml><?xml version="1.0" encoding="utf-8"?>
 <pc:chgInfo xmlns:a="http://schemas.openxmlformats.org/drawingml/2006/main" xmlns:r="http://schemas.openxmlformats.org/officeDocument/2006/relationships" xmlns:ac="http://schemas.microsoft.com/office/drawing/2013/main/command" xmlns:pc="http://schemas.microsoft.com/office/powerpoint/2013/main/command">
+  <pc:docChgLst>
+    <pc:chgData name="MKONDIWA, Maxwell (CIMMYT-India)" userId="861bee07-b612-4cf7-beae-414489ecebf8" providerId="ADAL" clId="{F733D7EA-C78A-42B0-8A2D-1CBBAB7C4203}"/>
+    <pc:docChg chg="custSel addSld modSld">
+      <pc:chgData name="MKONDIWA, Maxwell (CIMMYT-India)" userId="861bee07-b612-4cf7-beae-414489ecebf8" providerId="ADAL" clId="{F733D7EA-C78A-42B0-8A2D-1CBBAB7C4203}" dt="2023-10-08T12:52:15.343" v="58" actId="164"/>
+      <pc:docMkLst>
+        <pc:docMk/>
+      </pc:docMkLst>
+      <pc:sldChg chg="addSp modSp mod">
+        <pc:chgData name="MKONDIWA, Maxwell (CIMMYT-India)" userId="861bee07-b612-4cf7-beae-414489ecebf8" providerId="ADAL" clId="{F733D7EA-C78A-42B0-8A2D-1CBBAB7C4203}" dt="2023-10-08T12:13:43.251" v="20" actId="20577"/>
+        <pc:sldMkLst>
+          <pc:docMk/>
+          <pc:sldMk cId="3162777030" sldId="261"/>
+        </pc:sldMkLst>
+        <pc:spChg chg="add mod">
+          <ac:chgData name="MKONDIWA, Maxwell (CIMMYT-India)" userId="861bee07-b612-4cf7-beae-414489ecebf8" providerId="ADAL" clId="{F733D7EA-C78A-42B0-8A2D-1CBBAB7C4203}" dt="2023-10-08T12:13:43.251" v="20" actId="20577"/>
+          <ac:spMkLst>
+            <pc:docMk/>
+            <pc:sldMk cId="3162777030" sldId="261"/>
+            <ac:spMk id="3" creationId="{551159EB-B490-E4CB-9DCA-D19716F910E3}"/>
+          </ac:spMkLst>
+        </pc:spChg>
+      </pc:sldChg>
+      <pc:sldChg chg="addSp modSp mod">
+        <pc:chgData name="MKONDIWA, Maxwell (CIMMYT-India)" userId="861bee07-b612-4cf7-beae-414489ecebf8" providerId="ADAL" clId="{F733D7EA-C78A-42B0-8A2D-1CBBAB7C4203}" dt="2023-10-08T12:13:26.275" v="6" actId="20577"/>
+        <pc:sldMkLst>
+          <pc:docMk/>
+          <pc:sldMk cId="4187478239" sldId="262"/>
+        </pc:sldMkLst>
+        <pc:spChg chg="add mod">
+          <ac:chgData name="MKONDIWA, Maxwell (CIMMYT-India)" userId="861bee07-b612-4cf7-beae-414489ecebf8" providerId="ADAL" clId="{F733D7EA-C78A-42B0-8A2D-1CBBAB7C4203}" dt="2023-10-08T12:13:26.275" v="6" actId="20577"/>
+          <ac:spMkLst>
+            <pc:docMk/>
+            <pc:sldMk cId="4187478239" sldId="262"/>
+            <ac:spMk id="2" creationId="{6A46D5B0-50C1-C34A-2B7C-9A2EABFDFB52}"/>
+          </ac:spMkLst>
+        </pc:spChg>
+      </pc:sldChg>
+      <pc:sldChg chg="addSp delSp modSp new mod">
+        <pc:chgData name="MKONDIWA, Maxwell (CIMMYT-India)" userId="861bee07-b612-4cf7-beae-414489ecebf8" providerId="ADAL" clId="{F733D7EA-C78A-42B0-8A2D-1CBBAB7C4203}" dt="2023-10-08T12:52:15.343" v="58" actId="164"/>
+        <pc:sldMkLst>
+          <pc:docMk/>
+          <pc:sldMk cId="998568252" sldId="263"/>
+        </pc:sldMkLst>
+        <pc:spChg chg="del mod">
+          <ac:chgData name="MKONDIWA, Maxwell (CIMMYT-India)" userId="861bee07-b612-4cf7-beae-414489ecebf8" providerId="ADAL" clId="{F733D7EA-C78A-42B0-8A2D-1CBBAB7C4203}" dt="2023-10-08T12:13:54.327" v="24" actId="478"/>
+          <ac:spMkLst>
+            <pc:docMk/>
+            <pc:sldMk cId="998568252" sldId="263"/>
+            <ac:spMk id="2" creationId="{8946A953-CB96-EA0E-E687-D944AC02562B}"/>
+          </ac:spMkLst>
+        </pc:spChg>
+        <pc:spChg chg="del">
+          <ac:chgData name="MKONDIWA, Maxwell (CIMMYT-India)" userId="861bee07-b612-4cf7-beae-414489ecebf8" providerId="ADAL" clId="{F733D7EA-C78A-42B0-8A2D-1CBBAB7C4203}" dt="2023-10-08T12:13:52.436" v="22" actId="478"/>
+          <ac:spMkLst>
+            <pc:docMk/>
+            <pc:sldMk cId="998568252" sldId="263"/>
+            <ac:spMk id="3" creationId="{F17DB6F7-E604-3A71-523E-9C6C9CE5838A}"/>
+          </ac:spMkLst>
+        </pc:spChg>
+        <pc:spChg chg="add del">
+          <ac:chgData name="MKONDIWA, Maxwell (CIMMYT-India)" userId="861bee07-b612-4cf7-beae-414489ecebf8" providerId="ADAL" clId="{F733D7EA-C78A-42B0-8A2D-1CBBAB7C4203}" dt="2023-10-08T12:49:47.005" v="32"/>
+          <ac:spMkLst>
+            <pc:docMk/>
+            <pc:sldMk cId="998568252" sldId="263"/>
+            <ac:spMk id="5" creationId="{B472230D-597B-F3F9-D2F6-018B4670BCD9}"/>
+          </ac:spMkLst>
+        </pc:spChg>
+        <pc:spChg chg="add mod">
+          <ac:chgData name="MKONDIWA, Maxwell (CIMMYT-India)" userId="861bee07-b612-4cf7-beae-414489ecebf8" providerId="ADAL" clId="{F733D7EA-C78A-42B0-8A2D-1CBBAB7C4203}" dt="2023-10-08T12:52:15.343" v="58" actId="164"/>
+          <ac:spMkLst>
+            <pc:docMk/>
+            <pc:sldMk cId="998568252" sldId="263"/>
+            <ac:spMk id="7" creationId="{F130125D-9925-74AD-49BF-0E666AD84ACB}"/>
+          </ac:spMkLst>
+        </pc:spChg>
+        <pc:spChg chg="add mod">
+          <ac:chgData name="MKONDIWA, Maxwell (CIMMYT-India)" userId="861bee07-b612-4cf7-beae-414489ecebf8" providerId="ADAL" clId="{F733D7EA-C78A-42B0-8A2D-1CBBAB7C4203}" dt="2023-10-08T12:52:15.343" v="58" actId="164"/>
+          <ac:spMkLst>
+            <pc:docMk/>
+            <pc:sldMk cId="998568252" sldId="263"/>
+            <ac:spMk id="8" creationId="{186F6498-5CF7-3252-10D1-1D4A2E150847}"/>
+          </ac:spMkLst>
+        </pc:spChg>
+        <pc:grpChg chg="add mod">
+          <ac:chgData name="MKONDIWA, Maxwell (CIMMYT-India)" userId="861bee07-b612-4cf7-beae-414489ecebf8" providerId="ADAL" clId="{F733D7EA-C78A-42B0-8A2D-1CBBAB7C4203}" dt="2023-10-08T12:52:15.343" v="58" actId="164"/>
+          <ac:grpSpMkLst>
+            <pc:docMk/>
+            <pc:sldMk cId="998568252" sldId="263"/>
+            <ac:grpSpMk id="9" creationId="{F1C40340-B58B-A7EB-05C2-712AC88F84DB}"/>
+          </ac:grpSpMkLst>
+        </pc:grpChg>
+        <pc:picChg chg="add mod modCrop">
+          <ac:chgData name="MKONDIWA, Maxwell (CIMMYT-India)" userId="861bee07-b612-4cf7-beae-414489ecebf8" providerId="ADAL" clId="{F733D7EA-C78A-42B0-8A2D-1CBBAB7C4203}" dt="2023-10-08T12:52:15.343" v="58" actId="164"/>
+          <ac:picMkLst>
+            <pc:docMk/>
+            <pc:sldMk cId="998568252" sldId="263"/>
+            <ac:picMk id="4" creationId="{9B7D38B0-C0B7-A1A9-7BD0-28789AE811D5}"/>
+          </ac:picMkLst>
+        </pc:picChg>
+        <pc:picChg chg="add mod modCrop">
+          <ac:chgData name="MKONDIWA, Maxwell (CIMMYT-India)" userId="861bee07-b612-4cf7-beae-414489ecebf8" providerId="ADAL" clId="{F733D7EA-C78A-42B0-8A2D-1CBBAB7C4203}" dt="2023-10-08T12:52:15.343" v="58" actId="164"/>
+          <ac:picMkLst>
+            <pc:docMk/>
+            <pc:sldMk cId="998568252" sldId="263"/>
+            <ac:picMk id="6" creationId="{C62674B0-4A9A-DB33-3E45-8F5E9330B8B5}"/>
+          </ac:picMkLst>
+        </pc:picChg>
+      </pc:sldChg>
+    </pc:docChg>
+  </pc:docChgLst>
   <pc:docChgLst>
     <pc:chgData name="MKONDIWA, Maxwell (CIMMYT-India)" userId="861bee07-b612-4cf7-beae-414489ecebf8" providerId="ADAL" clId="{44840EE4-EDC8-4D5B-BDBC-E7C49E18850F}"/>
     <pc:docChg chg="undo custSel addSld modSld">
@@ -649,7 +760,7 @@
           <a:p>
             <a:fld id="{4D649DE9-AE2D-4861-9154-BD1A8D1A5462}" type="datetimeFigureOut">
               <a:rPr lang="en-ZW" smtClean="0"/>
-              <a:t>18/8/2023</a:t>
+              <a:t>8/10/2023</a:t>
             </a:fld>
             <a:endParaRPr lang="en-ZW"/>
           </a:p>
@@ -819,7 +930,7 @@
           <a:p>
             <a:fld id="{4D649DE9-AE2D-4861-9154-BD1A8D1A5462}" type="datetimeFigureOut">
               <a:rPr lang="en-ZW" smtClean="0"/>
-              <a:t>18/8/2023</a:t>
+              <a:t>8/10/2023</a:t>
             </a:fld>
             <a:endParaRPr lang="en-ZW"/>
           </a:p>
@@ -999,7 +1110,7 @@
           <a:p>
             <a:fld id="{4D649DE9-AE2D-4861-9154-BD1A8D1A5462}" type="datetimeFigureOut">
               <a:rPr lang="en-ZW" smtClean="0"/>
-              <a:t>18/8/2023</a:t>
+              <a:t>8/10/2023</a:t>
             </a:fld>
             <a:endParaRPr lang="en-ZW"/>
           </a:p>
@@ -1169,7 +1280,7 @@
           <a:p>
             <a:fld id="{4D649DE9-AE2D-4861-9154-BD1A8D1A5462}" type="datetimeFigureOut">
               <a:rPr lang="en-ZW" smtClean="0"/>
-              <a:t>18/8/2023</a:t>
+              <a:t>8/10/2023</a:t>
             </a:fld>
             <a:endParaRPr lang="en-ZW"/>
           </a:p>
@@ -1413,7 +1524,7 @@
           <a:p>
             <a:fld id="{4D649DE9-AE2D-4861-9154-BD1A8D1A5462}" type="datetimeFigureOut">
               <a:rPr lang="en-ZW" smtClean="0"/>
-              <a:t>18/8/2023</a:t>
+              <a:t>8/10/2023</a:t>
             </a:fld>
             <a:endParaRPr lang="en-ZW"/>
           </a:p>
@@ -1645,7 +1756,7 @@
           <a:p>
             <a:fld id="{4D649DE9-AE2D-4861-9154-BD1A8D1A5462}" type="datetimeFigureOut">
               <a:rPr lang="en-ZW" smtClean="0"/>
-              <a:t>18/8/2023</a:t>
+              <a:t>8/10/2023</a:t>
             </a:fld>
             <a:endParaRPr lang="en-ZW"/>
           </a:p>
@@ -2012,7 +2123,7 @@
           <a:p>
             <a:fld id="{4D649DE9-AE2D-4861-9154-BD1A8D1A5462}" type="datetimeFigureOut">
               <a:rPr lang="en-ZW" smtClean="0"/>
-              <a:t>18/8/2023</a:t>
+              <a:t>8/10/2023</a:t>
             </a:fld>
             <a:endParaRPr lang="en-ZW"/>
           </a:p>
@@ -2130,7 +2241,7 @@
           <a:p>
             <a:fld id="{4D649DE9-AE2D-4861-9154-BD1A8D1A5462}" type="datetimeFigureOut">
               <a:rPr lang="en-ZW" smtClean="0"/>
-              <a:t>18/8/2023</a:t>
+              <a:t>8/10/2023</a:t>
             </a:fld>
             <a:endParaRPr lang="en-ZW"/>
           </a:p>
@@ -2225,7 +2336,7 @@
           <a:p>
             <a:fld id="{4D649DE9-AE2D-4861-9154-BD1A8D1A5462}" type="datetimeFigureOut">
               <a:rPr lang="en-ZW" smtClean="0"/>
-              <a:t>18/8/2023</a:t>
+              <a:t>8/10/2023</a:t>
             </a:fld>
             <a:endParaRPr lang="en-ZW"/>
           </a:p>
@@ -2502,7 +2613,7 @@
           <a:p>
             <a:fld id="{4D649DE9-AE2D-4861-9154-BD1A8D1A5462}" type="datetimeFigureOut">
               <a:rPr lang="en-ZW" smtClean="0"/>
-              <a:t>18/8/2023</a:t>
+              <a:t>8/10/2023</a:t>
             </a:fld>
             <a:endParaRPr lang="en-ZW"/>
           </a:p>
@@ -2759,7 +2870,7 @@
           <a:p>
             <a:fld id="{4D649DE9-AE2D-4861-9154-BD1A8D1A5462}" type="datetimeFigureOut">
               <a:rPr lang="en-ZW" smtClean="0"/>
-              <a:t>18/8/2023</a:t>
+              <a:t>8/10/2023</a:t>
             </a:fld>
             <a:endParaRPr lang="en-ZW"/>
           </a:p>
@@ -2972,7 +3083,7 @@
           <a:p>
             <a:fld id="{4D649DE9-AE2D-4861-9154-BD1A8D1A5462}" type="datetimeFigureOut">
               <a:rPr lang="en-ZW" smtClean="0"/>
-              <a:t>18/8/2023</a:t>
+              <a:t>8/10/2023</a:t>
             </a:fld>
             <a:endParaRPr lang="en-ZW"/>
           </a:p>
@@ -4726,6 +4837,42 @@
           </p:txBody>
         </p:sp>
       </p:grpSp>
+      <p:sp>
+        <p:nvSpPr>
+          <p:cNvPr id="3" name="TextBox 2">
+            <a:extLst>
+              <a:ext uri="{FF2B5EF4-FFF2-40B4-BE49-F238E27FC236}">
+                <a16:creationId xmlns:a16="http://schemas.microsoft.com/office/drawing/2014/main" id="{551159EB-B490-E4CB-9DCA-D19716F910E3}"/>
+              </a:ext>
+            </a:extLst>
+          </p:cNvPr>
+          <p:cNvSpPr txBox="1"/>
+          <p:nvPr/>
+        </p:nvSpPr>
+        <p:spPr>
+          <a:xfrm>
+            <a:off x="-1683834" y="2107580"/>
+            <a:ext cx="1248936" cy="369332"/>
+          </a:xfrm>
+          <a:prstGeom prst="rect">
+            <a:avLst/>
+          </a:prstGeom>
+          <a:noFill/>
+        </p:spPr>
+        <p:txBody>
+          <a:bodyPr wrap="square" rtlCol="0">
+            <a:spAutoFit/>
+          </a:bodyPr>
+          <a:lstStyle/>
+          <a:p>
+            <a:r>
+              <a:rPr lang="en-US" dirty="0"/>
+              <a:t>revenue</a:t>
+            </a:r>
+            <a:endParaRPr lang="en-ZW" dirty="0"/>
+          </a:p>
+        </p:txBody>
+      </p:sp>
     </p:spTree>
     <p:extLst>
       <p:ext uri="{BB962C8B-B14F-4D97-AF65-F5344CB8AC3E}">
@@ -5171,10 +5318,227 @@
           </a:p>
         </p:txBody>
       </p:sp>
+      <p:sp>
+        <p:nvSpPr>
+          <p:cNvPr id="2" name="TextBox 1">
+            <a:extLst>
+              <a:ext uri="{FF2B5EF4-FFF2-40B4-BE49-F238E27FC236}">
+                <a16:creationId xmlns:a16="http://schemas.microsoft.com/office/drawing/2014/main" id="{6A46D5B0-50C1-C34A-2B7C-9A2EABFDFB52}"/>
+              </a:ext>
+            </a:extLst>
+          </p:cNvPr>
+          <p:cNvSpPr txBox="1"/>
+          <p:nvPr/>
+        </p:nvSpPr>
+        <p:spPr>
+          <a:xfrm>
+            <a:off x="-1683834" y="2107580"/>
+            <a:ext cx="1248936" cy="369332"/>
+          </a:xfrm>
+          <a:prstGeom prst="rect">
+            <a:avLst/>
+          </a:prstGeom>
+          <a:noFill/>
+        </p:spPr>
+        <p:txBody>
+          <a:bodyPr wrap="square" rtlCol="0">
+            <a:spAutoFit/>
+          </a:bodyPr>
+          <a:lstStyle/>
+          <a:p>
+            <a:r>
+              <a:rPr lang="en-US" dirty="0"/>
+              <a:t>profit</a:t>
+            </a:r>
+            <a:endParaRPr lang="en-ZW" dirty="0"/>
+          </a:p>
+        </p:txBody>
+      </p:sp>
     </p:spTree>
     <p:extLst>
       <p:ext uri="{BB962C8B-B14F-4D97-AF65-F5344CB8AC3E}">
         <p14:creationId xmlns:p14="http://schemas.microsoft.com/office/powerpoint/2010/main" val="4187478239"/>
+      </p:ext>
+    </p:extLst>
+  </p:cSld>
+  <p:clrMapOvr>
+    <a:masterClrMapping/>
+  </p:clrMapOvr>
+</p:sld>
+</file>
+
+<file path=ppt/slides/slide5.xml><?xml version="1.0" encoding="utf-8"?>
+<p:sld xmlns:a="http://schemas.openxmlformats.org/drawingml/2006/main" xmlns:r="http://schemas.openxmlformats.org/officeDocument/2006/relationships" xmlns:p="http://schemas.openxmlformats.org/presentationml/2006/main">
+  <p:cSld>
+    <p:spTree>
+      <p:nvGrpSpPr>
+        <p:cNvPr id="1" name=""/>
+        <p:cNvGrpSpPr/>
+        <p:nvPr/>
+      </p:nvGrpSpPr>
+      <p:grpSpPr>
+        <a:xfrm>
+          <a:off x="0" y="0"/>
+          <a:ext cx="0" cy="0"/>
+          <a:chOff x="0" y="0"/>
+          <a:chExt cx="0" cy="0"/>
+        </a:xfrm>
+      </p:grpSpPr>
+      <p:grpSp>
+        <p:nvGrpSpPr>
+          <p:cNvPr id="9" name="Group 8">
+            <a:extLst>
+              <a:ext uri="{FF2B5EF4-FFF2-40B4-BE49-F238E27FC236}">
+                <a16:creationId xmlns:a16="http://schemas.microsoft.com/office/drawing/2014/main" id="{F1C40340-B58B-A7EB-05C2-712AC88F84DB}"/>
+              </a:ext>
+            </a:extLst>
+          </p:cNvPr>
+          <p:cNvGrpSpPr/>
+          <p:nvPr/>
+        </p:nvGrpSpPr>
+        <p:grpSpPr>
+          <a:xfrm>
+            <a:off x="423745" y="334537"/>
+            <a:ext cx="5990065" cy="8820614"/>
+            <a:chOff x="423745" y="334537"/>
+            <a:chExt cx="5990065" cy="8820614"/>
+          </a:xfrm>
+        </p:grpSpPr>
+        <p:pic>
+          <p:nvPicPr>
+            <p:cNvPr id="4" name="Picture 3">
+              <a:extLst>
+                <a:ext uri="{FF2B5EF4-FFF2-40B4-BE49-F238E27FC236}">
+                  <a16:creationId xmlns:a16="http://schemas.microsoft.com/office/drawing/2014/main" id="{9B7D38B0-C0B7-A1A9-7BD0-28789AE811D5}"/>
+                </a:ext>
+              </a:extLst>
+            </p:cNvPr>
+            <p:cNvPicPr>
+              <a:picLocks noChangeAspect="1"/>
+            </p:cNvPicPr>
+            <p:nvPr/>
+          </p:nvPicPr>
+          <p:blipFill rotWithShape="1">
+            <a:blip r:embed="rId2"/>
+            <a:srcRect t="6177" b="7796"/>
+            <a:stretch/>
+          </p:blipFill>
+          <p:spPr>
+            <a:xfrm>
+              <a:off x="490653" y="519203"/>
+              <a:ext cx="5876694" cy="3926488"/>
+            </a:xfrm>
+            <a:prstGeom prst="rect">
+              <a:avLst/>
+            </a:prstGeom>
+          </p:spPr>
+        </p:pic>
+        <p:pic>
+          <p:nvPicPr>
+            <p:cNvPr id="6" name="Picture 5">
+              <a:extLst>
+                <a:ext uri="{FF2B5EF4-FFF2-40B4-BE49-F238E27FC236}">
+                  <a16:creationId xmlns:a16="http://schemas.microsoft.com/office/drawing/2014/main" id="{C62674B0-4A9A-DB33-3E45-8F5E9330B8B5}"/>
+                </a:ext>
+              </a:extLst>
+            </p:cNvPr>
+            <p:cNvPicPr>
+              <a:picLocks noChangeAspect="1"/>
+            </p:cNvPicPr>
+            <p:nvPr/>
+          </p:nvPicPr>
+          <p:blipFill rotWithShape="1">
+            <a:blip r:embed="rId3"/>
+            <a:srcRect t="6488" b="8972"/>
+            <a:stretch/>
+          </p:blipFill>
+          <p:spPr>
+            <a:xfrm>
+              <a:off x="423745" y="4861930"/>
+              <a:ext cx="5990065" cy="4293221"/>
+            </a:xfrm>
+            <a:prstGeom prst="rect">
+              <a:avLst/>
+            </a:prstGeom>
+          </p:spPr>
+        </p:pic>
+        <p:sp>
+          <p:nvSpPr>
+            <p:cNvPr id="7" name="TextBox 6">
+              <a:extLst>
+                <a:ext uri="{FF2B5EF4-FFF2-40B4-BE49-F238E27FC236}">
+                  <a16:creationId xmlns:a16="http://schemas.microsoft.com/office/drawing/2014/main" id="{F130125D-9925-74AD-49BF-0E666AD84ACB}"/>
+                </a:ext>
+              </a:extLst>
+            </p:cNvPr>
+            <p:cNvSpPr txBox="1"/>
+            <p:nvPr/>
+          </p:nvSpPr>
+          <p:spPr>
+            <a:xfrm>
+              <a:off x="423746" y="334537"/>
+              <a:ext cx="791737" cy="369332"/>
+            </a:xfrm>
+            <a:prstGeom prst="rect">
+              <a:avLst/>
+            </a:prstGeom>
+            <a:noFill/>
+          </p:spPr>
+          <p:txBody>
+            <a:bodyPr wrap="square" rtlCol="0">
+              <a:spAutoFit/>
+            </a:bodyPr>
+            <a:lstStyle/>
+            <a:p>
+              <a:r>
+                <a:rPr lang="en-US" b="1" dirty="0"/>
+                <a:t>(a)</a:t>
+              </a:r>
+              <a:endParaRPr lang="en-ZW" b="1" dirty="0"/>
+            </a:p>
+          </p:txBody>
+        </p:sp>
+        <p:sp>
+          <p:nvSpPr>
+            <p:cNvPr id="8" name="TextBox 7">
+              <a:extLst>
+                <a:ext uri="{FF2B5EF4-FFF2-40B4-BE49-F238E27FC236}">
+                  <a16:creationId xmlns:a16="http://schemas.microsoft.com/office/drawing/2014/main" id="{186F6498-5CF7-3252-10D1-1D4A2E150847}"/>
+                </a:ext>
+              </a:extLst>
+            </p:cNvPr>
+            <p:cNvSpPr txBox="1"/>
+            <p:nvPr/>
+          </p:nvSpPr>
+          <p:spPr>
+            <a:xfrm>
+              <a:off x="423746" y="4677265"/>
+              <a:ext cx="791737" cy="369332"/>
+            </a:xfrm>
+            <a:prstGeom prst="rect">
+              <a:avLst/>
+            </a:prstGeom>
+            <a:noFill/>
+          </p:spPr>
+          <p:txBody>
+            <a:bodyPr wrap="square" rtlCol="0">
+              <a:spAutoFit/>
+            </a:bodyPr>
+            <a:lstStyle/>
+            <a:p>
+              <a:r>
+                <a:rPr lang="en-US" b="1" dirty="0"/>
+                <a:t>(b)</a:t>
+              </a:r>
+              <a:endParaRPr lang="en-ZW" b="1" dirty="0"/>
+            </a:p>
+          </p:txBody>
+        </p:sp>
+      </p:grpSp>
+    </p:spTree>
+    <p:extLst>
+      <p:ext uri="{BB962C8B-B14F-4D97-AF65-F5344CB8AC3E}">
+        <p14:creationId xmlns:p14="http://schemas.microsoft.com/office/powerpoint/2010/main" val="998568252"/>
       </p:ext>
     </p:extLst>
   </p:cSld>

--- a/output/figures_IGP/IGP_Figures.pptx
+++ b/output/figures_IGP/IGP_Figures.pptx
@@ -129,7 +129,7 @@
   <pc:docChgLst>
     <pc:chgData name="MKONDIWA, Maxwell (CIMMYT-India)" userId="861bee07-b612-4cf7-beae-414489ecebf8" providerId="ADAL" clId="{F733D7EA-C78A-42B0-8A2D-1CBBAB7C4203}"/>
     <pc:docChg chg="custSel addSld modSld">
-      <pc:chgData name="MKONDIWA, Maxwell (CIMMYT-India)" userId="861bee07-b612-4cf7-beae-414489ecebf8" providerId="ADAL" clId="{F733D7EA-C78A-42B0-8A2D-1CBBAB7C4203}" dt="2023-10-08T12:52:15.343" v="58" actId="164"/>
+      <pc:chgData name="MKONDIWA, Maxwell (CIMMYT-India)" userId="861bee07-b612-4cf7-beae-414489ecebf8" providerId="ADAL" clId="{F733D7EA-C78A-42B0-8A2D-1CBBAB7C4203}" dt="2023-10-08T13:21:27.606" v="59" actId="1076"/>
       <pc:docMkLst>
         <pc:docMk/>
       </pc:docMkLst>
@@ -164,7 +164,7 @@
         </pc:spChg>
       </pc:sldChg>
       <pc:sldChg chg="addSp delSp modSp new mod">
-        <pc:chgData name="MKONDIWA, Maxwell (CIMMYT-India)" userId="861bee07-b612-4cf7-beae-414489ecebf8" providerId="ADAL" clId="{F733D7EA-C78A-42B0-8A2D-1CBBAB7C4203}" dt="2023-10-08T12:52:15.343" v="58" actId="164"/>
+        <pc:chgData name="MKONDIWA, Maxwell (CIMMYT-India)" userId="861bee07-b612-4cf7-beae-414489ecebf8" providerId="ADAL" clId="{F733D7EA-C78A-42B0-8A2D-1CBBAB7C4203}" dt="2023-10-08T13:21:27.606" v="59" actId="1076"/>
         <pc:sldMkLst>
           <pc:docMk/>
           <pc:sldMk cId="998568252" sldId="263"/>
@@ -210,7 +210,7 @@
           </ac:spMkLst>
         </pc:spChg>
         <pc:grpChg chg="add mod">
-          <ac:chgData name="MKONDIWA, Maxwell (CIMMYT-India)" userId="861bee07-b612-4cf7-beae-414489ecebf8" providerId="ADAL" clId="{F733D7EA-C78A-42B0-8A2D-1CBBAB7C4203}" dt="2023-10-08T12:52:15.343" v="58" actId="164"/>
+          <ac:chgData name="MKONDIWA, Maxwell (CIMMYT-India)" userId="861bee07-b612-4cf7-beae-414489ecebf8" providerId="ADAL" clId="{F733D7EA-C78A-42B0-8A2D-1CBBAB7C4203}" dt="2023-10-08T13:21:27.606" v="59" actId="1076"/>
           <ac:grpSpMkLst>
             <pc:docMk/>
             <pc:sldMk cId="998568252" sldId="263"/>
@@ -5398,7 +5398,7 @@
         </p:nvGrpSpPr>
         <p:grpSpPr>
           <a:xfrm>
-            <a:off x="423745" y="334537"/>
+            <a:off x="423745" y="278781"/>
             <a:ext cx="5990065" cy="8820614"/>
             <a:chOff x="423745" y="334537"/>
             <a:chExt cx="5990065" cy="8820614"/>
